--- a/Materialien/Powerpoint/Einfuehrung in Design Patterns.pptx
+++ b/Materialien/Powerpoint/Einfuehrung in Design Patterns.pptx
@@ -129,147 +129,6 @@
 
 <file path=ppt/changesInfos/changesInfo1.xml><?xml version="1.0" encoding="utf-8"?>
 <pc:chgInfo xmlns:a="http://schemas.openxmlformats.org/drawingml/2006/main" xmlns:r="http://schemas.openxmlformats.org/officeDocument/2006/relationships" xmlns:ac="http://schemas.microsoft.com/office/drawing/2013/main/command" xmlns:pc="http://schemas.microsoft.com/office/powerpoint/2013/main/command">
-  <pc:docChgLst>
-    <pc:chgData name="Sebastian Meine" userId="f54488a2a6b7dc9e" providerId="LiveId" clId="{BE1DB9F4-E304-4C37-970B-A53B13E8E1BC}"/>
-    <pc:docChg chg="custSel modSld">
-      <pc:chgData name="Sebastian Meine" userId="f54488a2a6b7dc9e" providerId="LiveId" clId="{BE1DB9F4-E304-4C37-970B-A53B13E8E1BC}" dt="2021-07-04T14:49:22.515" v="9"/>
-      <pc:docMkLst>
-        <pc:docMk/>
-      </pc:docMkLst>
-      <pc:sldChg chg="addSp delSp modSp mod">
-        <pc:chgData name="Sebastian Meine" userId="f54488a2a6b7dc9e" providerId="LiveId" clId="{BE1DB9F4-E304-4C37-970B-A53B13E8E1BC}" dt="2021-07-04T14:48:58.033" v="5" actId="478"/>
-        <pc:sldMkLst>
-          <pc:docMk/>
-          <pc:sldMk cId="238189655" sldId="256"/>
-        </pc:sldMkLst>
-        <pc:spChg chg="mod">
-          <ac:chgData name="Sebastian Meine" userId="f54488a2a6b7dc9e" providerId="LiveId" clId="{BE1DB9F4-E304-4C37-970B-A53B13E8E1BC}" dt="2021-07-04T14:43:23.278" v="0" actId="403"/>
-          <ac:spMkLst>
-            <pc:docMk/>
-            <pc:sldMk cId="238189655" sldId="256"/>
-            <ac:spMk id="2" creationId="{87B2046A-71C6-4A5C-90F4-24A921FBE6F2}"/>
-          </ac:spMkLst>
-        </pc:spChg>
-        <pc:spChg chg="add mod">
-          <ac:chgData name="Sebastian Meine" userId="f54488a2a6b7dc9e" providerId="LiveId" clId="{BE1DB9F4-E304-4C37-970B-A53B13E8E1BC}" dt="2021-07-04T14:48:51.469" v="1"/>
-          <ac:spMkLst>
-            <pc:docMk/>
-            <pc:sldMk cId="238189655" sldId="256"/>
-            <ac:spMk id="4" creationId="{59758521-4940-4667-AD02-D9159FCBA0AA}"/>
-          </ac:spMkLst>
-        </pc:spChg>
-        <pc:spChg chg="add del mod">
-          <ac:chgData name="Sebastian Meine" userId="f54488a2a6b7dc9e" providerId="LiveId" clId="{BE1DB9F4-E304-4C37-970B-A53B13E8E1BC}" dt="2021-07-04T14:48:58.033" v="5" actId="478"/>
-          <ac:spMkLst>
-            <pc:docMk/>
-            <pc:sldMk cId="238189655" sldId="256"/>
-            <ac:spMk id="5" creationId="{D8F788BF-858C-49A4-ACB1-BF0BB9B551DE}"/>
-          </ac:spMkLst>
-        </pc:spChg>
-        <pc:spChg chg="add mod">
-          <ac:chgData name="Sebastian Meine" userId="f54488a2a6b7dc9e" providerId="LiveId" clId="{BE1DB9F4-E304-4C37-970B-A53B13E8E1BC}" dt="2021-07-04T14:48:51.469" v="1"/>
-          <ac:spMkLst>
-            <pc:docMk/>
-            <pc:sldMk cId="238189655" sldId="256"/>
-            <ac:spMk id="6" creationId="{16C5E0D0-4B8D-4ABD-AB1C-C34B838619DA}"/>
-          </ac:spMkLst>
-        </pc:spChg>
-      </pc:sldChg>
-      <pc:sldChg chg="addSp delSp modSp mod">
-        <pc:chgData name="Sebastian Meine" userId="f54488a2a6b7dc9e" providerId="LiveId" clId="{BE1DB9F4-E304-4C37-970B-A53B13E8E1BC}" dt="2021-07-04T14:49:01.825" v="6" actId="478"/>
-        <pc:sldMkLst>
-          <pc:docMk/>
-          <pc:sldMk cId="821808063" sldId="257"/>
-        </pc:sldMkLst>
-        <pc:spChg chg="add mod">
-          <ac:chgData name="Sebastian Meine" userId="f54488a2a6b7dc9e" providerId="LiveId" clId="{BE1DB9F4-E304-4C37-970B-A53B13E8E1BC}" dt="2021-07-04T14:48:53.513" v="2"/>
-          <ac:spMkLst>
-            <pc:docMk/>
-            <pc:sldMk cId="821808063" sldId="257"/>
-            <ac:spMk id="6" creationId="{18E16722-5125-474B-813B-7E7FCAD73050}"/>
-          </ac:spMkLst>
-        </pc:spChg>
-        <pc:spChg chg="add del mod">
-          <ac:chgData name="Sebastian Meine" userId="f54488a2a6b7dc9e" providerId="LiveId" clId="{BE1DB9F4-E304-4C37-970B-A53B13E8E1BC}" dt="2021-07-04T14:49:01.825" v="6" actId="478"/>
-          <ac:spMkLst>
-            <pc:docMk/>
-            <pc:sldMk cId="821808063" sldId="257"/>
-            <ac:spMk id="7" creationId="{A3CC68E1-34E3-46EA-8054-08C955DEDCF0}"/>
-          </ac:spMkLst>
-        </pc:spChg>
-        <pc:spChg chg="add mod">
-          <ac:chgData name="Sebastian Meine" userId="f54488a2a6b7dc9e" providerId="LiveId" clId="{BE1DB9F4-E304-4C37-970B-A53B13E8E1BC}" dt="2021-07-04T14:48:53.513" v="2"/>
-          <ac:spMkLst>
-            <pc:docMk/>
-            <pc:sldMk cId="821808063" sldId="257"/>
-            <ac:spMk id="8" creationId="{F93989BF-3261-4820-A19C-59C495FFE0B5}"/>
-          </ac:spMkLst>
-        </pc:spChg>
-      </pc:sldChg>
-      <pc:sldChg chg="addSp modSp mod">
-        <pc:chgData name="Sebastian Meine" userId="f54488a2a6b7dc9e" providerId="LiveId" clId="{BE1DB9F4-E304-4C37-970B-A53B13E8E1BC}" dt="2021-07-04T14:49:17.421" v="8" actId="122"/>
-        <pc:sldMkLst>
-          <pc:docMk/>
-          <pc:sldMk cId="2109793123" sldId="258"/>
-        </pc:sldMkLst>
-        <pc:spChg chg="add mod">
-          <ac:chgData name="Sebastian Meine" userId="f54488a2a6b7dc9e" providerId="LiveId" clId="{BE1DB9F4-E304-4C37-970B-A53B13E8E1BC}" dt="2021-07-04T14:48:54.185" v="3"/>
-          <ac:spMkLst>
-            <pc:docMk/>
-            <pc:sldMk cId="2109793123" sldId="258"/>
-            <ac:spMk id="7" creationId="{18705B3C-262D-45A3-8C90-9FC26244A8CC}"/>
-          </ac:spMkLst>
-        </pc:spChg>
-        <pc:spChg chg="add mod">
-          <ac:chgData name="Sebastian Meine" userId="f54488a2a6b7dc9e" providerId="LiveId" clId="{BE1DB9F4-E304-4C37-970B-A53B13E8E1BC}" dt="2021-07-04T14:49:17.421" v="8" actId="122"/>
-          <ac:spMkLst>
-            <pc:docMk/>
-            <pc:sldMk cId="2109793123" sldId="258"/>
-            <ac:spMk id="8" creationId="{6833897F-8945-43C1-8EE1-2E83FF8331D9}"/>
-          </ac:spMkLst>
-        </pc:spChg>
-        <pc:spChg chg="add mod">
-          <ac:chgData name="Sebastian Meine" userId="f54488a2a6b7dc9e" providerId="LiveId" clId="{BE1DB9F4-E304-4C37-970B-A53B13E8E1BC}" dt="2021-07-04T14:48:54.185" v="3"/>
-          <ac:spMkLst>
-            <pc:docMk/>
-            <pc:sldMk cId="2109793123" sldId="258"/>
-            <ac:spMk id="9" creationId="{4CB1546C-41E9-4CE9-A31D-18CB078FE5F0}"/>
-          </ac:spMkLst>
-        </pc:spChg>
-      </pc:sldChg>
-      <pc:sldChg chg="addSp modSp mod">
-        <pc:chgData name="Sebastian Meine" userId="f54488a2a6b7dc9e" providerId="LiveId" clId="{BE1DB9F4-E304-4C37-970B-A53B13E8E1BC}" dt="2021-07-04T14:49:22.515" v="9"/>
-        <pc:sldMkLst>
-          <pc:docMk/>
-          <pc:sldMk cId="583026924" sldId="259"/>
-        </pc:sldMkLst>
-        <pc:spChg chg="add mod">
-          <ac:chgData name="Sebastian Meine" userId="f54488a2a6b7dc9e" providerId="LiveId" clId="{BE1DB9F4-E304-4C37-970B-A53B13E8E1BC}" dt="2021-07-04T14:48:54.870" v="4"/>
-          <ac:spMkLst>
-            <pc:docMk/>
-            <pc:sldMk cId="583026924" sldId="259"/>
-            <ac:spMk id="7" creationId="{10FFBAAD-19F5-4D04-A8CB-A12454F58FFD}"/>
-          </ac:spMkLst>
-        </pc:spChg>
-        <pc:spChg chg="add mod">
-          <ac:chgData name="Sebastian Meine" userId="f54488a2a6b7dc9e" providerId="LiveId" clId="{BE1DB9F4-E304-4C37-970B-A53B13E8E1BC}" dt="2021-07-04T14:49:22.515" v="9"/>
-          <ac:spMkLst>
-            <pc:docMk/>
-            <pc:sldMk cId="583026924" sldId="259"/>
-            <ac:spMk id="8" creationId="{3B4D951D-CFCF-46C6-91EB-50913F6DFC4D}"/>
-          </ac:spMkLst>
-        </pc:spChg>
-        <pc:spChg chg="add mod">
-          <ac:chgData name="Sebastian Meine" userId="f54488a2a6b7dc9e" providerId="LiveId" clId="{BE1DB9F4-E304-4C37-970B-A53B13E8E1BC}" dt="2021-07-04T14:48:54.870" v="4"/>
-          <ac:spMkLst>
-            <pc:docMk/>
-            <pc:sldMk cId="583026924" sldId="259"/>
-            <ac:spMk id="9" creationId="{3690FB59-357D-44F2-A4A7-2F771FE7F7EF}"/>
-          </ac:spMkLst>
-        </pc:spChg>
-      </pc:sldChg>
-    </pc:docChg>
-  </pc:docChgLst>
   <pc:docChgLst>
     <pc:chgData name="Sebastian Meine" userId="f54488a2a6b7dc9e" providerId="LiveId" clId="{8A101DD7-8FB9-4D7A-87E8-10D597B9AFFD}"/>
     <pc:docChg chg="undo redo custSel addSld delSld modSld">
@@ -815,6 +674,254 @@
     </pc:docChg>
   </pc:docChgLst>
   <pc:docChgLst>
+    <pc:chgData name="Sebastian Meine" userId="f54488a2a6b7dc9e" providerId="LiveId" clId="{5A0C8B77-F258-40F5-A2FE-E6B4E2F24921}"/>
+    <pc:docChg chg="addSld delSld modSld">
+      <pc:chgData name="Sebastian Meine" userId="f54488a2a6b7dc9e" providerId="LiveId" clId="{5A0C8B77-F258-40F5-A2FE-E6B4E2F24921}" dt="2021-07-04T21:09:51.172" v="475" actId="20577"/>
+      <pc:docMkLst>
+        <pc:docMk/>
+      </pc:docMkLst>
+      <pc:sldChg chg="modSp mod modAnim">
+        <pc:chgData name="Sebastian Meine" userId="f54488a2a6b7dc9e" providerId="LiveId" clId="{5A0C8B77-F258-40F5-A2FE-E6B4E2F24921}" dt="2021-07-04T21:09:51.172" v="475" actId="20577"/>
+        <pc:sldMkLst>
+          <pc:docMk/>
+          <pc:sldMk cId="2109793123" sldId="258"/>
+        </pc:sldMkLst>
+        <pc:spChg chg="mod">
+          <ac:chgData name="Sebastian Meine" userId="f54488a2a6b7dc9e" providerId="LiveId" clId="{5A0C8B77-F258-40F5-A2FE-E6B4E2F24921}" dt="2021-07-04T20:57:53.944" v="50" actId="20577"/>
+          <ac:spMkLst>
+            <pc:docMk/>
+            <pc:sldMk cId="2109793123" sldId="258"/>
+            <ac:spMk id="5" creationId="{BDF2C912-E02F-4E1F-82DF-351A88BA5B31}"/>
+          </ac:spMkLst>
+        </pc:spChg>
+        <pc:spChg chg="mod">
+          <ac:chgData name="Sebastian Meine" userId="f54488a2a6b7dc9e" providerId="LiveId" clId="{5A0C8B77-F258-40F5-A2FE-E6B4E2F24921}" dt="2021-07-04T21:09:51.172" v="475" actId="20577"/>
+          <ac:spMkLst>
+            <pc:docMk/>
+            <pc:sldMk cId="2109793123" sldId="258"/>
+            <ac:spMk id="6" creationId="{67FD4DD5-46C1-4974-A569-BB95F27DCC4F}"/>
+          </ac:spMkLst>
+        </pc:spChg>
+      </pc:sldChg>
+      <pc:sldChg chg="delSp add del setBg delDesignElem">
+        <pc:chgData name="Sebastian Meine" userId="f54488a2a6b7dc9e" providerId="LiveId" clId="{5A0C8B77-F258-40F5-A2FE-E6B4E2F24921}" dt="2021-07-04T21:01:31.996" v="405"/>
+        <pc:sldMkLst>
+          <pc:docMk/>
+          <pc:sldMk cId="583026924" sldId="259"/>
+        </pc:sldMkLst>
+        <pc:spChg chg="del">
+          <ac:chgData name="Sebastian Meine" userId="f54488a2a6b7dc9e" providerId="LiveId" clId="{5A0C8B77-F258-40F5-A2FE-E6B4E2F24921}" dt="2021-07-04T21:01:31.996" v="405"/>
+          <ac:spMkLst>
+            <pc:docMk/>
+            <pc:sldMk cId="583026924" sldId="259"/>
+            <ac:spMk id="11" creationId="{6B2275DD-736C-472F-9D1B-3BA6016BFD7F}"/>
+          </ac:spMkLst>
+        </pc:spChg>
+      </pc:sldChg>
+      <pc:sldChg chg="modSp add del">
+        <pc:chgData name="Sebastian Meine" userId="f54488a2a6b7dc9e" providerId="LiveId" clId="{5A0C8B77-F258-40F5-A2FE-E6B4E2F24921}" dt="2021-07-04T21:01:59.185" v="407" actId="404"/>
+        <pc:sldMkLst>
+          <pc:docMk/>
+          <pc:sldMk cId="2435630695" sldId="260"/>
+        </pc:sldMkLst>
+        <pc:spChg chg="mod">
+          <ac:chgData name="Sebastian Meine" userId="f54488a2a6b7dc9e" providerId="LiveId" clId="{5A0C8B77-F258-40F5-A2FE-E6B4E2F24921}" dt="2021-07-04T21:01:59.185" v="407" actId="404"/>
+          <ac:spMkLst>
+            <pc:docMk/>
+            <pc:sldMk cId="2435630695" sldId="260"/>
+            <ac:spMk id="6" creationId="{67FD4DD5-46C1-4974-A569-BB95F27DCC4F}"/>
+          </ac:spMkLst>
+        </pc:spChg>
+      </pc:sldChg>
+      <pc:sldChg chg="modSp">
+        <pc:chgData name="Sebastian Meine" userId="f54488a2a6b7dc9e" providerId="LiveId" clId="{5A0C8B77-F258-40F5-A2FE-E6B4E2F24921}" dt="2021-07-04T20:57:34.270" v="13" actId="20577"/>
+        <pc:sldMkLst>
+          <pc:docMk/>
+          <pc:sldMk cId="3097966872" sldId="261"/>
+        </pc:sldMkLst>
+        <pc:spChg chg="mod">
+          <ac:chgData name="Sebastian Meine" userId="f54488a2a6b7dc9e" providerId="LiveId" clId="{5A0C8B77-F258-40F5-A2FE-E6B4E2F24921}" dt="2021-07-04T20:57:34.270" v="13" actId="20577"/>
+          <ac:spMkLst>
+            <pc:docMk/>
+            <pc:sldMk cId="3097966872" sldId="261"/>
+            <ac:spMk id="2" creationId="{87B2046A-71C6-4A5C-90F4-24A921FBE6F2}"/>
+          </ac:spMkLst>
+        </pc:spChg>
+      </pc:sldChg>
+      <pc:sldChg chg="add del">
+        <pc:chgData name="Sebastian Meine" userId="f54488a2a6b7dc9e" providerId="LiveId" clId="{5A0C8B77-F258-40F5-A2FE-E6B4E2F24921}" dt="2021-07-04T21:01:33.838" v="406" actId="47"/>
+        <pc:sldMkLst>
+          <pc:docMk/>
+          <pc:sldMk cId="3923102347" sldId="262"/>
+        </pc:sldMkLst>
+      </pc:sldChg>
+      <pc:sldChg chg="delSp modSp add setBg delDesignElem">
+        <pc:chgData name="Sebastian Meine" userId="f54488a2a6b7dc9e" providerId="LiveId" clId="{5A0C8B77-F258-40F5-A2FE-E6B4E2F24921}" dt="2021-07-04T21:02:03.078" v="408" actId="404"/>
+        <pc:sldMkLst>
+          <pc:docMk/>
+          <pc:sldMk cId="362378951" sldId="263"/>
+        </pc:sldMkLst>
+        <pc:spChg chg="mod">
+          <ac:chgData name="Sebastian Meine" userId="f54488a2a6b7dc9e" providerId="LiveId" clId="{5A0C8B77-F258-40F5-A2FE-E6B4E2F24921}" dt="2021-07-04T21:02:03.078" v="408" actId="404"/>
+          <ac:spMkLst>
+            <pc:docMk/>
+            <pc:sldMk cId="362378951" sldId="263"/>
+            <ac:spMk id="6" creationId="{67FD4DD5-46C1-4974-A569-BB95F27DCC4F}"/>
+          </ac:spMkLst>
+        </pc:spChg>
+        <pc:spChg chg="del">
+          <ac:chgData name="Sebastian Meine" userId="f54488a2a6b7dc9e" providerId="LiveId" clId="{5A0C8B77-F258-40F5-A2FE-E6B4E2F24921}" dt="2021-07-04T21:01:31.996" v="405"/>
+          <ac:spMkLst>
+            <pc:docMk/>
+            <pc:sldMk cId="362378951" sldId="263"/>
+            <ac:spMk id="11" creationId="{6B2275DD-736C-472F-9D1B-3BA6016BFD7F}"/>
+          </ac:spMkLst>
+        </pc:spChg>
+      </pc:sldChg>
+    </pc:docChg>
+  </pc:docChgLst>
+  <pc:docChgLst>
+    <pc:chgData name="Sebastian Meine" userId="f54488a2a6b7dc9e" providerId="LiveId" clId="{BE1DB9F4-E304-4C37-970B-A53B13E8E1BC}"/>
+    <pc:docChg chg="custSel modSld">
+      <pc:chgData name="Sebastian Meine" userId="f54488a2a6b7dc9e" providerId="LiveId" clId="{BE1DB9F4-E304-4C37-970B-A53B13E8E1BC}" dt="2021-07-04T14:49:22.515" v="9"/>
+      <pc:docMkLst>
+        <pc:docMk/>
+      </pc:docMkLst>
+      <pc:sldChg chg="addSp delSp modSp mod">
+        <pc:chgData name="Sebastian Meine" userId="f54488a2a6b7dc9e" providerId="LiveId" clId="{BE1DB9F4-E304-4C37-970B-A53B13E8E1BC}" dt="2021-07-04T14:48:58.033" v="5" actId="478"/>
+        <pc:sldMkLst>
+          <pc:docMk/>
+          <pc:sldMk cId="238189655" sldId="256"/>
+        </pc:sldMkLst>
+        <pc:spChg chg="mod">
+          <ac:chgData name="Sebastian Meine" userId="f54488a2a6b7dc9e" providerId="LiveId" clId="{BE1DB9F4-E304-4C37-970B-A53B13E8E1BC}" dt="2021-07-04T14:43:23.278" v="0" actId="403"/>
+          <ac:spMkLst>
+            <pc:docMk/>
+            <pc:sldMk cId="238189655" sldId="256"/>
+            <ac:spMk id="2" creationId="{87B2046A-71C6-4A5C-90F4-24A921FBE6F2}"/>
+          </ac:spMkLst>
+        </pc:spChg>
+        <pc:spChg chg="add mod">
+          <ac:chgData name="Sebastian Meine" userId="f54488a2a6b7dc9e" providerId="LiveId" clId="{BE1DB9F4-E304-4C37-970B-A53B13E8E1BC}" dt="2021-07-04T14:48:51.469" v="1"/>
+          <ac:spMkLst>
+            <pc:docMk/>
+            <pc:sldMk cId="238189655" sldId="256"/>
+            <ac:spMk id="4" creationId="{59758521-4940-4667-AD02-D9159FCBA0AA}"/>
+          </ac:spMkLst>
+        </pc:spChg>
+        <pc:spChg chg="add del mod">
+          <ac:chgData name="Sebastian Meine" userId="f54488a2a6b7dc9e" providerId="LiveId" clId="{BE1DB9F4-E304-4C37-970B-A53B13E8E1BC}" dt="2021-07-04T14:48:58.033" v="5" actId="478"/>
+          <ac:spMkLst>
+            <pc:docMk/>
+            <pc:sldMk cId="238189655" sldId="256"/>
+            <ac:spMk id="5" creationId="{D8F788BF-858C-49A4-ACB1-BF0BB9B551DE}"/>
+          </ac:spMkLst>
+        </pc:spChg>
+        <pc:spChg chg="add mod">
+          <ac:chgData name="Sebastian Meine" userId="f54488a2a6b7dc9e" providerId="LiveId" clId="{BE1DB9F4-E304-4C37-970B-A53B13E8E1BC}" dt="2021-07-04T14:48:51.469" v="1"/>
+          <ac:spMkLst>
+            <pc:docMk/>
+            <pc:sldMk cId="238189655" sldId="256"/>
+            <ac:spMk id="6" creationId="{16C5E0D0-4B8D-4ABD-AB1C-C34B838619DA}"/>
+          </ac:spMkLst>
+        </pc:spChg>
+      </pc:sldChg>
+      <pc:sldChg chg="addSp delSp modSp mod">
+        <pc:chgData name="Sebastian Meine" userId="f54488a2a6b7dc9e" providerId="LiveId" clId="{BE1DB9F4-E304-4C37-970B-A53B13E8E1BC}" dt="2021-07-04T14:49:01.825" v="6" actId="478"/>
+        <pc:sldMkLst>
+          <pc:docMk/>
+          <pc:sldMk cId="821808063" sldId="257"/>
+        </pc:sldMkLst>
+        <pc:spChg chg="add mod">
+          <ac:chgData name="Sebastian Meine" userId="f54488a2a6b7dc9e" providerId="LiveId" clId="{BE1DB9F4-E304-4C37-970B-A53B13E8E1BC}" dt="2021-07-04T14:48:53.513" v="2"/>
+          <ac:spMkLst>
+            <pc:docMk/>
+            <pc:sldMk cId="821808063" sldId="257"/>
+            <ac:spMk id="6" creationId="{18E16722-5125-474B-813B-7E7FCAD73050}"/>
+          </ac:spMkLst>
+        </pc:spChg>
+        <pc:spChg chg="add del mod">
+          <ac:chgData name="Sebastian Meine" userId="f54488a2a6b7dc9e" providerId="LiveId" clId="{BE1DB9F4-E304-4C37-970B-A53B13E8E1BC}" dt="2021-07-04T14:49:01.825" v="6" actId="478"/>
+          <ac:spMkLst>
+            <pc:docMk/>
+            <pc:sldMk cId="821808063" sldId="257"/>
+            <ac:spMk id="7" creationId="{A3CC68E1-34E3-46EA-8054-08C955DEDCF0}"/>
+          </ac:spMkLst>
+        </pc:spChg>
+        <pc:spChg chg="add mod">
+          <ac:chgData name="Sebastian Meine" userId="f54488a2a6b7dc9e" providerId="LiveId" clId="{BE1DB9F4-E304-4C37-970B-A53B13E8E1BC}" dt="2021-07-04T14:48:53.513" v="2"/>
+          <ac:spMkLst>
+            <pc:docMk/>
+            <pc:sldMk cId="821808063" sldId="257"/>
+            <ac:spMk id="8" creationId="{F93989BF-3261-4820-A19C-59C495FFE0B5}"/>
+          </ac:spMkLst>
+        </pc:spChg>
+      </pc:sldChg>
+      <pc:sldChg chg="addSp modSp mod">
+        <pc:chgData name="Sebastian Meine" userId="f54488a2a6b7dc9e" providerId="LiveId" clId="{BE1DB9F4-E304-4C37-970B-A53B13E8E1BC}" dt="2021-07-04T14:49:17.421" v="8" actId="122"/>
+        <pc:sldMkLst>
+          <pc:docMk/>
+          <pc:sldMk cId="2109793123" sldId="258"/>
+        </pc:sldMkLst>
+        <pc:spChg chg="add mod">
+          <ac:chgData name="Sebastian Meine" userId="f54488a2a6b7dc9e" providerId="LiveId" clId="{BE1DB9F4-E304-4C37-970B-A53B13E8E1BC}" dt="2021-07-04T14:48:54.185" v="3"/>
+          <ac:spMkLst>
+            <pc:docMk/>
+            <pc:sldMk cId="2109793123" sldId="258"/>
+            <ac:spMk id="7" creationId="{18705B3C-262D-45A3-8C90-9FC26244A8CC}"/>
+          </ac:spMkLst>
+        </pc:spChg>
+        <pc:spChg chg="add mod">
+          <ac:chgData name="Sebastian Meine" userId="f54488a2a6b7dc9e" providerId="LiveId" clId="{BE1DB9F4-E304-4C37-970B-A53B13E8E1BC}" dt="2021-07-04T14:49:17.421" v="8" actId="122"/>
+          <ac:spMkLst>
+            <pc:docMk/>
+            <pc:sldMk cId="2109793123" sldId="258"/>
+            <ac:spMk id="8" creationId="{6833897F-8945-43C1-8EE1-2E83FF8331D9}"/>
+          </ac:spMkLst>
+        </pc:spChg>
+        <pc:spChg chg="add mod">
+          <ac:chgData name="Sebastian Meine" userId="f54488a2a6b7dc9e" providerId="LiveId" clId="{BE1DB9F4-E304-4C37-970B-A53B13E8E1BC}" dt="2021-07-04T14:48:54.185" v="3"/>
+          <ac:spMkLst>
+            <pc:docMk/>
+            <pc:sldMk cId="2109793123" sldId="258"/>
+            <ac:spMk id="9" creationId="{4CB1546C-41E9-4CE9-A31D-18CB078FE5F0}"/>
+          </ac:spMkLst>
+        </pc:spChg>
+      </pc:sldChg>
+      <pc:sldChg chg="addSp modSp mod">
+        <pc:chgData name="Sebastian Meine" userId="f54488a2a6b7dc9e" providerId="LiveId" clId="{BE1DB9F4-E304-4C37-970B-A53B13E8E1BC}" dt="2021-07-04T14:49:22.515" v="9"/>
+        <pc:sldMkLst>
+          <pc:docMk/>
+          <pc:sldMk cId="583026924" sldId="259"/>
+        </pc:sldMkLst>
+        <pc:spChg chg="add mod">
+          <ac:chgData name="Sebastian Meine" userId="f54488a2a6b7dc9e" providerId="LiveId" clId="{BE1DB9F4-E304-4C37-970B-A53B13E8E1BC}" dt="2021-07-04T14:48:54.870" v="4"/>
+          <ac:spMkLst>
+            <pc:docMk/>
+            <pc:sldMk cId="583026924" sldId="259"/>
+            <ac:spMk id="7" creationId="{10FFBAAD-19F5-4D04-A8CB-A12454F58FFD}"/>
+          </ac:spMkLst>
+        </pc:spChg>
+        <pc:spChg chg="add mod">
+          <ac:chgData name="Sebastian Meine" userId="f54488a2a6b7dc9e" providerId="LiveId" clId="{BE1DB9F4-E304-4C37-970B-A53B13E8E1BC}" dt="2021-07-04T14:49:22.515" v="9"/>
+          <ac:spMkLst>
+            <pc:docMk/>
+            <pc:sldMk cId="583026924" sldId="259"/>
+            <ac:spMk id="8" creationId="{3B4D951D-CFCF-46C6-91EB-50913F6DFC4D}"/>
+          </ac:spMkLst>
+        </pc:spChg>
+        <pc:spChg chg="add mod">
+          <ac:chgData name="Sebastian Meine" userId="f54488a2a6b7dc9e" providerId="LiveId" clId="{BE1DB9F4-E304-4C37-970B-A53B13E8E1BC}" dt="2021-07-04T14:48:54.870" v="4"/>
+          <ac:spMkLst>
+            <pc:docMk/>
+            <pc:sldMk cId="583026924" sldId="259"/>
+            <ac:spMk id="9" creationId="{3690FB59-357D-44F2-A4A7-2F771FE7F7EF}"/>
+          </ac:spMkLst>
+        </pc:spChg>
+      </pc:sldChg>
+    </pc:docChg>
+  </pc:docChgLst>
+  <pc:docChgLst>
     <pc:chgData name="Sebastian Meine" userId="f54488a2a6b7dc9e" providerId="LiveId" clId="{2C17B614-007B-4C7B-87C0-1E941A05D51C}"/>
     <pc:docChg chg="undo redo custSel addSld delSld modSld sldOrd">
       <pc:chgData name="Sebastian Meine" userId="f54488a2a6b7dc9e" providerId="LiveId" clId="{2C17B614-007B-4C7B-87C0-1E941A05D51C}" dt="2021-07-20T22:09:43.347" v="1911" actId="5793"/>
@@ -1170,113 +1277,6 @@
       </pc:sldChg>
     </pc:docChg>
   </pc:docChgLst>
-  <pc:docChgLst>
-    <pc:chgData name="Sebastian Meine" userId="f54488a2a6b7dc9e" providerId="LiveId" clId="{5A0C8B77-F258-40F5-A2FE-E6B4E2F24921}"/>
-    <pc:docChg chg="addSld delSld modSld">
-      <pc:chgData name="Sebastian Meine" userId="f54488a2a6b7dc9e" providerId="LiveId" clId="{5A0C8B77-F258-40F5-A2FE-E6B4E2F24921}" dt="2021-07-04T21:09:51.172" v="475" actId="20577"/>
-      <pc:docMkLst>
-        <pc:docMk/>
-      </pc:docMkLst>
-      <pc:sldChg chg="modSp mod modAnim">
-        <pc:chgData name="Sebastian Meine" userId="f54488a2a6b7dc9e" providerId="LiveId" clId="{5A0C8B77-F258-40F5-A2FE-E6B4E2F24921}" dt="2021-07-04T21:09:51.172" v="475" actId="20577"/>
-        <pc:sldMkLst>
-          <pc:docMk/>
-          <pc:sldMk cId="2109793123" sldId="258"/>
-        </pc:sldMkLst>
-        <pc:spChg chg="mod">
-          <ac:chgData name="Sebastian Meine" userId="f54488a2a6b7dc9e" providerId="LiveId" clId="{5A0C8B77-F258-40F5-A2FE-E6B4E2F24921}" dt="2021-07-04T20:57:53.944" v="50" actId="20577"/>
-          <ac:spMkLst>
-            <pc:docMk/>
-            <pc:sldMk cId="2109793123" sldId="258"/>
-            <ac:spMk id="5" creationId="{BDF2C912-E02F-4E1F-82DF-351A88BA5B31}"/>
-          </ac:spMkLst>
-        </pc:spChg>
-        <pc:spChg chg="mod">
-          <ac:chgData name="Sebastian Meine" userId="f54488a2a6b7dc9e" providerId="LiveId" clId="{5A0C8B77-F258-40F5-A2FE-E6B4E2F24921}" dt="2021-07-04T21:09:51.172" v="475" actId="20577"/>
-          <ac:spMkLst>
-            <pc:docMk/>
-            <pc:sldMk cId="2109793123" sldId="258"/>
-            <ac:spMk id="6" creationId="{67FD4DD5-46C1-4974-A569-BB95F27DCC4F}"/>
-          </ac:spMkLst>
-        </pc:spChg>
-      </pc:sldChg>
-      <pc:sldChg chg="delSp add del setBg delDesignElem">
-        <pc:chgData name="Sebastian Meine" userId="f54488a2a6b7dc9e" providerId="LiveId" clId="{5A0C8B77-F258-40F5-A2FE-E6B4E2F24921}" dt="2021-07-04T21:01:31.996" v="405"/>
-        <pc:sldMkLst>
-          <pc:docMk/>
-          <pc:sldMk cId="583026924" sldId="259"/>
-        </pc:sldMkLst>
-        <pc:spChg chg="del">
-          <ac:chgData name="Sebastian Meine" userId="f54488a2a6b7dc9e" providerId="LiveId" clId="{5A0C8B77-F258-40F5-A2FE-E6B4E2F24921}" dt="2021-07-04T21:01:31.996" v="405"/>
-          <ac:spMkLst>
-            <pc:docMk/>
-            <pc:sldMk cId="583026924" sldId="259"/>
-            <ac:spMk id="11" creationId="{6B2275DD-736C-472F-9D1B-3BA6016BFD7F}"/>
-          </ac:spMkLst>
-        </pc:spChg>
-      </pc:sldChg>
-      <pc:sldChg chg="modSp add del">
-        <pc:chgData name="Sebastian Meine" userId="f54488a2a6b7dc9e" providerId="LiveId" clId="{5A0C8B77-F258-40F5-A2FE-E6B4E2F24921}" dt="2021-07-04T21:01:59.185" v="407" actId="404"/>
-        <pc:sldMkLst>
-          <pc:docMk/>
-          <pc:sldMk cId="2435630695" sldId="260"/>
-        </pc:sldMkLst>
-        <pc:spChg chg="mod">
-          <ac:chgData name="Sebastian Meine" userId="f54488a2a6b7dc9e" providerId="LiveId" clId="{5A0C8B77-F258-40F5-A2FE-E6B4E2F24921}" dt="2021-07-04T21:01:59.185" v="407" actId="404"/>
-          <ac:spMkLst>
-            <pc:docMk/>
-            <pc:sldMk cId="2435630695" sldId="260"/>
-            <ac:spMk id="6" creationId="{67FD4DD5-46C1-4974-A569-BB95F27DCC4F}"/>
-          </ac:spMkLst>
-        </pc:spChg>
-      </pc:sldChg>
-      <pc:sldChg chg="modSp">
-        <pc:chgData name="Sebastian Meine" userId="f54488a2a6b7dc9e" providerId="LiveId" clId="{5A0C8B77-F258-40F5-A2FE-E6B4E2F24921}" dt="2021-07-04T20:57:34.270" v="13" actId="20577"/>
-        <pc:sldMkLst>
-          <pc:docMk/>
-          <pc:sldMk cId="3097966872" sldId="261"/>
-        </pc:sldMkLst>
-        <pc:spChg chg="mod">
-          <ac:chgData name="Sebastian Meine" userId="f54488a2a6b7dc9e" providerId="LiveId" clId="{5A0C8B77-F258-40F5-A2FE-E6B4E2F24921}" dt="2021-07-04T20:57:34.270" v="13" actId="20577"/>
-          <ac:spMkLst>
-            <pc:docMk/>
-            <pc:sldMk cId="3097966872" sldId="261"/>
-            <ac:spMk id="2" creationId="{87B2046A-71C6-4A5C-90F4-24A921FBE6F2}"/>
-          </ac:spMkLst>
-        </pc:spChg>
-      </pc:sldChg>
-      <pc:sldChg chg="add del">
-        <pc:chgData name="Sebastian Meine" userId="f54488a2a6b7dc9e" providerId="LiveId" clId="{5A0C8B77-F258-40F5-A2FE-E6B4E2F24921}" dt="2021-07-04T21:01:33.838" v="406" actId="47"/>
-        <pc:sldMkLst>
-          <pc:docMk/>
-          <pc:sldMk cId="3923102347" sldId="262"/>
-        </pc:sldMkLst>
-      </pc:sldChg>
-      <pc:sldChg chg="delSp modSp add setBg delDesignElem">
-        <pc:chgData name="Sebastian Meine" userId="f54488a2a6b7dc9e" providerId="LiveId" clId="{5A0C8B77-F258-40F5-A2FE-E6B4E2F24921}" dt="2021-07-04T21:02:03.078" v="408" actId="404"/>
-        <pc:sldMkLst>
-          <pc:docMk/>
-          <pc:sldMk cId="362378951" sldId="263"/>
-        </pc:sldMkLst>
-        <pc:spChg chg="mod">
-          <ac:chgData name="Sebastian Meine" userId="f54488a2a6b7dc9e" providerId="LiveId" clId="{5A0C8B77-F258-40F5-A2FE-E6B4E2F24921}" dt="2021-07-04T21:02:03.078" v="408" actId="404"/>
-          <ac:spMkLst>
-            <pc:docMk/>
-            <pc:sldMk cId="362378951" sldId="263"/>
-            <ac:spMk id="6" creationId="{67FD4DD5-46C1-4974-A569-BB95F27DCC4F}"/>
-          </ac:spMkLst>
-        </pc:spChg>
-        <pc:spChg chg="del">
-          <ac:chgData name="Sebastian Meine" userId="f54488a2a6b7dc9e" providerId="LiveId" clId="{5A0C8B77-F258-40F5-A2FE-E6B4E2F24921}" dt="2021-07-04T21:01:31.996" v="405"/>
-          <ac:spMkLst>
-            <pc:docMk/>
-            <pc:sldMk cId="362378951" sldId="263"/>
-            <ac:spMk id="11" creationId="{6B2275DD-736C-472F-9D1B-3BA6016BFD7F}"/>
-          </ac:spMkLst>
-        </pc:spChg>
-      </pc:sldChg>
-    </pc:docChg>
-  </pc:docChgLst>
 </pc:chgInfo>
 </file>
 
@@ -1476,7 +1476,7 @@
           <a:p>
             <a:fld id="{D4AD37E9-5A10-49A7-855D-CAA2D2E848B6}" type="datetimeFigureOut">
               <a:rPr lang="de-DE" smtClean="0"/>
-              <a:t>20.07.2021</a:t>
+              <a:t>26.01.2022</a:t>
             </a:fld>
             <a:endParaRPr lang="de-DE"/>
           </a:p>
@@ -1757,7 +1757,7 @@
           <a:p>
             <a:fld id="{D4AD37E9-5A10-49A7-855D-CAA2D2E848B6}" type="datetimeFigureOut">
               <a:rPr lang="de-DE" smtClean="0"/>
-              <a:t>20.07.2021</a:t>
+              <a:t>26.01.2022</a:t>
             </a:fld>
             <a:endParaRPr lang="de-DE"/>
           </a:p>
@@ -1949,7 +1949,7 @@
           <a:p>
             <a:fld id="{D4AD37E9-5A10-49A7-855D-CAA2D2E848B6}" type="datetimeFigureOut">
               <a:rPr lang="de-DE" smtClean="0"/>
-              <a:t>20.07.2021</a:t>
+              <a:t>26.01.2022</a:t>
             </a:fld>
             <a:endParaRPr lang="de-DE"/>
           </a:p>
@@ -2210,7 +2210,7 @@
           <a:p>
             <a:fld id="{D4AD37E9-5A10-49A7-855D-CAA2D2E848B6}" type="datetimeFigureOut">
               <a:rPr lang="de-DE" smtClean="0"/>
-              <a:t>20.07.2021</a:t>
+              <a:t>26.01.2022</a:t>
             </a:fld>
             <a:endParaRPr lang="de-DE"/>
           </a:p>
@@ -2636,7 +2636,7 @@
           <a:p>
             <a:fld id="{D4AD37E9-5A10-49A7-855D-CAA2D2E848B6}" type="datetimeFigureOut">
               <a:rPr lang="de-DE" smtClean="0"/>
-              <a:t>20.07.2021</a:t>
+              <a:t>26.01.2022</a:t>
             </a:fld>
             <a:endParaRPr lang="de-DE"/>
           </a:p>
@@ -3182,7 +3182,7 @@
           <a:p>
             <a:fld id="{D4AD37E9-5A10-49A7-855D-CAA2D2E848B6}" type="datetimeFigureOut">
               <a:rPr lang="de-DE" smtClean="0"/>
-              <a:t>20.07.2021</a:t>
+              <a:t>26.01.2022</a:t>
             </a:fld>
             <a:endParaRPr lang="de-DE"/>
           </a:p>
@@ -4013,7 +4013,7 @@
           <a:p>
             <a:fld id="{D4AD37E9-5A10-49A7-855D-CAA2D2E848B6}" type="datetimeFigureOut">
               <a:rPr lang="de-DE" smtClean="0"/>
-              <a:t>20.07.2021</a:t>
+              <a:t>26.01.2022</a:t>
             </a:fld>
             <a:endParaRPr lang="de-DE"/>
           </a:p>
@@ -4183,7 +4183,7 @@
           <a:p>
             <a:fld id="{D4AD37E9-5A10-49A7-855D-CAA2D2E848B6}" type="datetimeFigureOut">
               <a:rPr lang="de-DE" smtClean="0"/>
-              <a:t>20.07.2021</a:t>
+              <a:t>26.01.2022</a:t>
             </a:fld>
             <a:endParaRPr lang="de-DE"/>
           </a:p>
@@ -4363,7 +4363,7 @@
           <a:p>
             <a:fld id="{D4AD37E9-5A10-49A7-855D-CAA2D2E848B6}" type="datetimeFigureOut">
               <a:rPr lang="de-DE" smtClean="0"/>
-              <a:t>20.07.2021</a:t>
+              <a:t>26.01.2022</a:t>
             </a:fld>
             <a:endParaRPr lang="de-DE"/>
           </a:p>
@@ -4533,7 +4533,7 @@
           <a:p>
             <a:fld id="{D4AD37E9-5A10-49A7-855D-CAA2D2E848B6}" type="datetimeFigureOut">
               <a:rPr lang="de-DE" smtClean="0"/>
-              <a:t>20.07.2021</a:t>
+              <a:t>26.01.2022</a:t>
             </a:fld>
             <a:endParaRPr lang="de-DE"/>
           </a:p>
@@ -4790,7 +4790,7 @@
           <a:p>
             <a:fld id="{D4AD37E9-5A10-49A7-855D-CAA2D2E848B6}" type="datetimeFigureOut">
               <a:rPr lang="de-DE" smtClean="0"/>
-              <a:t>20.07.2021</a:t>
+              <a:t>26.01.2022</a:t>
             </a:fld>
             <a:endParaRPr lang="de-DE"/>
           </a:p>
@@ -5022,7 +5022,7 @@
           <a:p>
             <a:fld id="{D4AD37E9-5A10-49A7-855D-CAA2D2E848B6}" type="datetimeFigureOut">
               <a:rPr lang="de-DE" smtClean="0"/>
-              <a:t>20.07.2021</a:t>
+              <a:t>26.01.2022</a:t>
             </a:fld>
             <a:endParaRPr lang="de-DE"/>
           </a:p>
@@ -5415,7 +5415,7 @@
           <a:p>
             <a:fld id="{D4AD37E9-5A10-49A7-855D-CAA2D2E848B6}" type="datetimeFigureOut">
               <a:rPr lang="de-DE" smtClean="0"/>
-              <a:t>20.07.2021</a:t>
+              <a:t>26.01.2022</a:t>
             </a:fld>
             <a:endParaRPr lang="de-DE"/>
           </a:p>
@@ -5533,7 +5533,7 @@
           <a:p>
             <a:fld id="{D4AD37E9-5A10-49A7-855D-CAA2D2E848B6}" type="datetimeFigureOut">
               <a:rPr lang="de-DE" smtClean="0"/>
-              <a:t>20.07.2021</a:t>
+              <a:t>26.01.2022</a:t>
             </a:fld>
             <a:endParaRPr lang="de-DE"/>
           </a:p>
@@ -5628,7 +5628,7 @@
           <a:p>
             <a:fld id="{D4AD37E9-5A10-49A7-855D-CAA2D2E848B6}" type="datetimeFigureOut">
               <a:rPr lang="de-DE" smtClean="0"/>
-              <a:t>20.07.2021</a:t>
+              <a:t>26.01.2022</a:t>
             </a:fld>
             <a:endParaRPr lang="de-DE"/>
           </a:p>
@@ -5901,7 +5901,7 @@
           <a:p>
             <a:fld id="{D4AD37E9-5A10-49A7-855D-CAA2D2E848B6}" type="datetimeFigureOut">
               <a:rPr lang="de-DE" smtClean="0"/>
-              <a:t>20.07.2021</a:t>
+              <a:t>26.01.2022</a:t>
             </a:fld>
             <a:endParaRPr lang="de-DE"/>
           </a:p>
@@ -6182,7 +6182,7 @@
           <a:p>
             <a:fld id="{D4AD37E9-5A10-49A7-855D-CAA2D2E848B6}" type="datetimeFigureOut">
               <a:rPr lang="de-DE" smtClean="0"/>
-              <a:t>20.07.2021</a:t>
+              <a:t>26.01.2022</a:t>
             </a:fld>
             <a:endParaRPr lang="de-DE"/>
           </a:p>
@@ -6422,7 +6422,7 @@
           <a:p>
             <a:fld id="{D4AD37E9-5A10-49A7-855D-CAA2D2E848B6}" type="datetimeFigureOut">
               <a:rPr lang="de-DE" smtClean="0"/>
-              <a:t>20.07.2021</a:t>
+              <a:t>26.01.2022</a:t>
             </a:fld>
             <a:endParaRPr lang="de-DE"/>
           </a:p>
@@ -7084,7 +7084,7 @@
           <a:p>
             <a:fld id="{D4AD37E9-5A10-49A7-855D-CAA2D2E848B6}" type="datetimeFigureOut">
               <a:rPr lang="de-DE" smtClean="0"/>
-              <a:t>20.07.2021</a:t>
+              <a:t>26.01.2022</a:t>
             </a:fld>
             <a:endParaRPr lang="de-DE" dirty="0"/>
           </a:p>
@@ -7658,7 +7658,7 @@
           <a:p>
             <a:fld id="{D4AD37E9-5A10-49A7-855D-CAA2D2E848B6}" type="datetimeFigureOut">
               <a:rPr lang="de-DE" smtClean="0"/>
-              <a:t>20.07.2021</a:t>
+              <a:t>26.01.2022</a:t>
             </a:fld>
             <a:endParaRPr lang="de-DE"/>
           </a:p>
@@ -8332,7 +8332,7 @@
           <a:p>
             <a:fld id="{D4AD37E9-5A10-49A7-855D-CAA2D2E848B6}" type="datetimeFigureOut">
               <a:rPr lang="de-DE" smtClean="0"/>
-              <a:t>20.07.2021</a:t>
+              <a:t>26.01.2022</a:t>
             </a:fld>
             <a:endParaRPr lang="de-DE"/>
           </a:p>
@@ -8891,7 +8891,7 @@
           <a:p>
             <a:fld id="{D4AD37E9-5A10-49A7-855D-CAA2D2E848B6}" type="datetimeFigureOut">
               <a:rPr lang="de-DE" smtClean="0"/>
-              <a:t>20.07.2021</a:t>
+              <a:t>26.01.2022</a:t>
             </a:fld>
             <a:endParaRPr lang="de-DE"/>
           </a:p>
@@ -10150,7 +10150,7 @@
           <a:p>
             <a:fld id="{D4AD37E9-5A10-49A7-855D-CAA2D2E848B6}" type="datetimeFigureOut">
               <a:rPr lang="de-DE" smtClean="0"/>
-              <a:t>20.07.2021</a:t>
+              <a:t>26.01.2022</a:t>
             </a:fld>
             <a:endParaRPr lang="de-DE"/>
           </a:p>
@@ -13964,7 +13964,7 @@
           <a:p>
             <a:fld id="{D4AD37E9-5A10-49A7-855D-CAA2D2E848B6}" type="datetimeFigureOut">
               <a:rPr lang="de-DE" smtClean="0"/>
-              <a:t>20.07.2021</a:t>
+              <a:t>26.01.2022</a:t>
             </a:fld>
             <a:endParaRPr lang="de-DE"/>
           </a:p>
@@ -14645,7 +14645,7 @@
         </p:spPr>
         <p:txBody>
           <a:bodyPr>
-            <a:normAutofit/>
+            <a:normAutofit lnSpcReduction="10000"/>
           </a:bodyPr>
           <a:lstStyle/>
           <a:p>
@@ -14702,7 +14702,7 @@
             <a:pPr lvl="1"/>
             <a:r>
               <a:rPr lang="de-DE" sz="2000" dirty="0"/>
-              <a:t>Leichter zu Warten und Weiterentwickeln</a:t>
+              <a:t>Leichter zu Warten und Weiterzuentwickeln</a:t>
             </a:r>
             <a:endParaRPr lang="de-DE" sz="1400" dirty="0">
               <a:solidFill>
@@ -14742,7 +14742,7 @@
           <a:p>
             <a:fld id="{D4AD37E9-5A10-49A7-855D-CAA2D2E848B6}" type="datetimeFigureOut">
               <a:rPr lang="de-DE" smtClean="0"/>
-              <a:t>20.07.2021</a:t>
+              <a:t>26.01.2022</a:t>
             </a:fld>
             <a:endParaRPr lang="de-DE"/>
           </a:p>
@@ -16048,7 +16048,7 @@
             <a:pPr lvl="1"/>
             <a:r>
               <a:rPr lang="de-DE" dirty="0"/>
-              <a:t>Mein Favorit, mit diesem Buch habe ich die Design Patterns am Besten verstanden, nicht weil es auf Deutsch ist sondern der Chaotische Stil passte einfach zu mir </a:t>
+              <a:t>Mein Favorit, mit diesem Buch habe ich die Design Patterns am Besten verstanden, nicht weil es auf Deutsch ist, sondern der Kreative und Chaotische Stil passte einfach zu mir </a:t>
             </a:r>
             <a:r>
               <a:rPr lang="de-DE" dirty="0">
@@ -16091,7 +16091,7 @@
           <a:p>
             <a:fld id="{D4AD37E9-5A10-49A7-855D-CAA2D2E848B6}" type="datetimeFigureOut">
               <a:rPr lang="de-DE" smtClean="0"/>
-              <a:t>20.07.2021</a:t>
+              <a:t>26.01.2022</a:t>
             </a:fld>
             <a:endParaRPr lang="de-DE"/>
           </a:p>
